--- a/materials/presentation.pptx
+++ b/materials/presentation.pptx
@@ -288,7 +288,7 @@
           <a:p>
             <a:fld id="{7594FB41-6C96-41E4-B763-8A51A70F2764}" type="datetimeFigureOut">
               <a:rPr lang="ru-RU" smtClean="0"/>
-              <a:t>26.01.2025</a:t>
+              <a:t>02.02.2025</a:t>
             </a:fld>
             <a:endParaRPr lang="ru-RU"/>
           </a:p>
@@ -555,7 +555,7 @@
           <a:p>
             <a:fld id="{7594FB41-6C96-41E4-B763-8A51A70F2764}" type="datetimeFigureOut">
               <a:rPr lang="ru-RU" smtClean="0"/>
-              <a:t>26.01.2025</a:t>
+              <a:t>02.02.2025</a:t>
             </a:fld>
             <a:endParaRPr lang="ru-RU"/>
           </a:p>
@@ -786,7 +786,7 @@
           <a:p>
             <a:fld id="{7594FB41-6C96-41E4-B763-8A51A70F2764}" type="datetimeFigureOut">
               <a:rPr lang="ru-RU" smtClean="0"/>
-              <a:t>26.01.2025</a:t>
+              <a:t>02.02.2025</a:t>
             </a:fld>
             <a:endParaRPr lang="ru-RU"/>
           </a:p>
@@ -1096,7 +1096,7 @@
           <a:p>
             <a:fld id="{7594FB41-6C96-41E4-B763-8A51A70F2764}" type="datetimeFigureOut">
               <a:rPr lang="ru-RU" smtClean="0"/>
-              <a:t>26.01.2025</a:t>
+              <a:t>02.02.2025</a:t>
             </a:fld>
             <a:endParaRPr lang="ru-RU"/>
           </a:p>
@@ -1569,7 +1569,7 @@
           <a:p>
             <a:fld id="{7594FB41-6C96-41E4-B763-8A51A70F2764}" type="datetimeFigureOut">
               <a:rPr lang="ru-RU" smtClean="0"/>
-              <a:t>26.01.2025</a:t>
+              <a:t>02.02.2025</a:t>
             </a:fld>
             <a:endParaRPr lang="ru-RU"/>
           </a:p>
@@ -2116,7 +2116,7 @@
           <a:p>
             <a:fld id="{7594FB41-6C96-41E4-B763-8A51A70F2764}" type="datetimeFigureOut">
               <a:rPr lang="ru-RU" smtClean="0"/>
-              <a:t>26.01.2025</a:t>
+              <a:t>02.02.2025</a:t>
             </a:fld>
             <a:endParaRPr lang="ru-RU"/>
           </a:p>
@@ -2890,7 +2890,7 @@
           <a:p>
             <a:fld id="{7594FB41-6C96-41E4-B763-8A51A70F2764}" type="datetimeFigureOut">
               <a:rPr lang="ru-RU" smtClean="0"/>
-              <a:t>26.01.2025</a:t>
+              <a:t>02.02.2025</a:t>
             </a:fld>
             <a:endParaRPr lang="ru-RU"/>
           </a:p>
@@ -3065,7 +3065,7 @@
           <a:p>
             <a:fld id="{7594FB41-6C96-41E4-B763-8A51A70F2764}" type="datetimeFigureOut">
               <a:rPr lang="ru-RU" smtClean="0"/>
-              <a:t>26.01.2025</a:t>
+              <a:t>02.02.2025</a:t>
             </a:fld>
             <a:endParaRPr lang="ru-RU"/>
           </a:p>
@@ -3288,7 +3288,7 @@
           <a:p>
             <a:fld id="{7594FB41-6C96-41E4-B763-8A51A70F2764}" type="datetimeFigureOut">
               <a:rPr lang="ru-RU" smtClean="0"/>
-              <a:t>26.01.2025</a:t>
+              <a:t>02.02.2025</a:t>
             </a:fld>
             <a:endParaRPr lang="ru-RU"/>
           </a:p>
@@ -3468,7 +3468,7 @@
           <a:p>
             <a:fld id="{7594FB41-6C96-41E4-B763-8A51A70F2764}" type="datetimeFigureOut">
               <a:rPr lang="ru-RU" smtClean="0"/>
-              <a:t>26.01.2025</a:t>
+              <a:t>02.02.2025</a:t>
             </a:fld>
             <a:endParaRPr lang="ru-RU"/>
           </a:p>
@@ -3757,7 +3757,7 @@
           <a:p>
             <a:fld id="{7594FB41-6C96-41E4-B763-8A51A70F2764}" type="datetimeFigureOut">
               <a:rPr lang="ru-RU" smtClean="0"/>
-              <a:t>26.01.2025</a:t>
+              <a:t>02.02.2025</a:t>
             </a:fld>
             <a:endParaRPr lang="ru-RU"/>
           </a:p>
@@ -3999,7 +3999,7 @@
           <a:p>
             <a:fld id="{7594FB41-6C96-41E4-B763-8A51A70F2764}" type="datetimeFigureOut">
               <a:rPr lang="ru-RU" smtClean="0"/>
-              <a:t>26.01.2025</a:t>
+              <a:t>02.02.2025</a:t>
             </a:fld>
             <a:endParaRPr lang="ru-RU"/>
           </a:p>
@@ -4378,7 +4378,7 @@
           <a:p>
             <a:fld id="{7594FB41-6C96-41E4-B763-8A51A70F2764}" type="datetimeFigureOut">
               <a:rPr lang="ru-RU" smtClean="0"/>
-              <a:t>26.01.2025</a:t>
+              <a:t>02.02.2025</a:t>
             </a:fld>
             <a:endParaRPr lang="ru-RU"/>
           </a:p>
@@ -4496,7 +4496,7 @@
           <a:p>
             <a:fld id="{7594FB41-6C96-41E4-B763-8A51A70F2764}" type="datetimeFigureOut">
               <a:rPr lang="ru-RU" smtClean="0"/>
-              <a:t>26.01.2025</a:t>
+              <a:t>02.02.2025</a:t>
             </a:fld>
             <a:endParaRPr lang="ru-RU"/>
           </a:p>
@@ -4591,7 +4591,7 @@
           <a:p>
             <a:fld id="{7594FB41-6C96-41E4-B763-8A51A70F2764}" type="datetimeFigureOut">
               <a:rPr lang="ru-RU" smtClean="0"/>
-              <a:t>26.01.2025</a:t>
+              <a:t>02.02.2025</a:t>
             </a:fld>
             <a:endParaRPr lang="ru-RU"/>
           </a:p>
@@ -4840,7 +4840,7 @@
           <a:p>
             <a:fld id="{7594FB41-6C96-41E4-B763-8A51A70F2764}" type="datetimeFigureOut">
               <a:rPr lang="ru-RU" smtClean="0"/>
-              <a:t>26.01.2025</a:t>
+              <a:t>02.02.2025</a:t>
             </a:fld>
             <a:endParaRPr lang="ru-RU"/>
           </a:p>
@@ -5097,7 +5097,7 @@
           <a:p>
             <a:fld id="{7594FB41-6C96-41E4-B763-8A51A70F2764}" type="datetimeFigureOut">
               <a:rPr lang="ru-RU" smtClean="0"/>
-              <a:t>26.01.2025</a:t>
+              <a:t>02.02.2025</a:t>
             </a:fld>
             <a:endParaRPr lang="ru-RU"/>
           </a:p>
@@ -5340,7 +5340,7 @@
           <a:p>
             <a:fld id="{7594FB41-6C96-41E4-B763-8A51A70F2764}" type="datetimeFigureOut">
               <a:rPr lang="ru-RU" smtClean="0"/>
-              <a:t>26.01.2025</a:t>
+              <a:t>02.02.2025</a:t>
             </a:fld>
             <a:endParaRPr lang="ru-RU"/>
           </a:p>
@@ -6367,10 +6367,10 @@
       </p:sp>
       <p:pic>
         <p:nvPicPr>
-          <p:cNvPr id="3" name="Рисунок 2">
+          <p:cNvPr id="5" name="Рисунок 4">
             <a:extLst>
               <a:ext uri="{FF2B5EF4-FFF2-40B4-BE49-F238E27FC236}">
-                <a16:creationId xmlns:a16="http://schemas.microsoft.com/office/drawing/2014/main" id="{2915D450-2977-8C11-95A5-1286E51AD47C}"/>
+                <a16:creationId xmlns:a16="http://schemas.microsoft.com/office/drawing/2014/main" id="{61944BB2-1F71-B6EF-8A31-833BE07A7BA5}"/>
               </a:ext>
             </a:extLst>
           </p:cNvPr>
@@ -6387,8 +6387,44 @@
         </p:blipFill>
         <p:spPr>
           <a:xfrm>
-            <a:off x="2475727" y="1244600"/>
-            <a:ext cx="7240546" cy="5403850"/>
+            <a:off x="6086473" y="3424237"/>
+            <a:ext cx="19053" cy="9526"/>
+          </a:xfrm>
+          <a:prstGeom prst="rect">
+            <a:avLst/>
+          </a:prstGeom>
+        </p:spPr>
+      </p:pic>
+      <p:pic>
+        <p:nvPicPr>
+          <p:cNvPr id="7" name="Рисунок 6">
+            <a:extLst>
+              <a:ext uri="{FF2B5EF4-FFF2-40B4-BE49-F238E27FC236}">
+                <a16:creationId xmlns:a16="http://schemas.microsoft.com/office/drawing/2014/main" id="{5DC4A4F3-D0B7-29D1-1B5A-1E3E2F02D6C0}"/>
+              </a:ext>
+            </a:extLst>
+          </p:cNvPr>
+          <p:cNvPicPr>
+            <a:picLocks noChangeAspect="1"/>
+          </p:cNvPicPr>
+          <p:nvPr/>
+        </p:nvPicPr>
+        <p:blipFill>
+          <a:blip r:embed="rId3">
+            <a:extLst>
+              <a:ext uri="{28A0092B-C50C-407E-A947-70E740481C1C}">
+                <a14:useLocalDpi xmlns:a14="http://schemas.microsoft.com/office/drawing/2010/main" val="0"/>
+              </a:ext>
+            </a:extLst>
+          </a:blip>
+          <a:stretch>
+            <a:fillRect/>
+          </a:stretch>
+        </p:blipFill>
+        <p:spPr>
+          <a:xfrm>
+            <a:off x="2714320" y="1170325"/>
+            <a:ext cx="6782412" cy="5497176"/>
           </a:xfrm>
           <a:prstGeom prst="rect">
             <a:avLst/>
@@ -6468,10 +6504,10 @@
       </p:sp>
       <p:pic>
         <p:nvPicPr>
-          <p:cNvPr id="6" name="Рисунок 5">
+          <p:cNvPr id="3" name="Рисунок 2">
             <a:extLst>
               <a:ext uri="{FF2B5EF4-FFF2-40B4-BE49-F238E27FC236}">
-                <a16:creationId xmlns:a16="http://schemas.microsoft.com/office/drawing/2014/main" id="{79DD859E-E9AE-0AE6-51C6-FC188BA83E0D}"/>
+                <a16:creationId xmlns:a16="http://schemas.microsoft.com/office/drawing/2014/main" id="{DE2E5AEB-5E00-8C1E-D6A9-17217AE4D25F}"/>
               </a:ext>
             </a:extLst>
           </p:cNvPr>
@@ -6481,15 +6517,21 @@
           <p:nvPr/>
         </p:nvPicPr>
         <p:blipFill>
-          <a:blip r:embed="rId2"/>
+          <a:blip r:embed="rId2">
+            <a:extLst>
+              <a:ext uri="{28A0092B-C50C-407E-A947-70E740481C1C}">
+                <a14:useLocalDpi xmlns:a14="http://schemas.microsoft.com/office/drawing/2010/main" val="0"/>
+              </a:ext>
+            </a:extLst>
+          </a:blip>
           <a:stretch>
             <a:fillRect/>
           </a:stretch>
         </p:blipFill>
         <p:spPr>
           <a:xfrm>
-            <a:off x="2309284" y="1208425"/>
-            <a:ext cx="7573432" cy="5359181"/>
+            <a:off x="2319337" y="1161435"/>
+            <a:ext cx="7553325" cy="5530850"/>
           </a:xfrm>
           <a:prstGeom prst="rect">
             <a:avLst/>
@@ -6802,7 +6844,15 @@
             </a:r>
             <a:r>
               <a:rPr lang="ru-RU" sz="2000" dirty="0"/>
-              <a:t> ___ </a:t>
+              <a:t> </a:t>
+            </a:r>
+            <a:r>
+              <a:rPr lang="en-US" sz="2000" dirty="0"/>
+              <a:t>~400</a:t>
+            </a:r>
+            <a:r>
+              <a:rPr lang="ru-RU" sz="2000" dirty="0"/>
+              <a:t> </a:t>
             </a:r>
           </a:p>
         </p:txBody>
